--- a/raida_final.pptx
+++ b/raida_final.pptx
@@ -20,17 +20,16 @@
     <p:sldId id="272" r:id="rId14"/>
     <p:sldId id="273" r:id="rId15"/>
     <p:sldId id="275" r:id="rId16"/>
-    <p:sldId id="276" r:id="rId17"/>
-    <p:sldId id="279" r:id="rId18"/>
-    <p:sldId id="280" r:id="rId19"/>
-    <p:sldId id="281" r:id="rId20"/>
-    <p:sldId id="282" r:id="rId21"/>
-    <p:sldId id="283" r:id="rId22"/>
-    <p:sldId id="284" r:id="rId23"/>
-    <p:sldId id="285" r:id="rId24"/>
-    <p:sldId id="286" r:id="rId25"/>
-    <p:sldId id="266" r:id="rId26"/>
-    <p:sldId id="287" r:id="rId27"/>
+    <p:sldId id="279" r:id="rId17"/>
+    <p:sldId id="280" r:id="rId18"/>
+    <p:sldId id="281" r:id="rId19"/>
+    <p:sldId id="282" r:id="rId20"/>
+    <p:sldId id="283" r:id="rId21"/>
+    <p:sldId id="284" r:id="rId22"/>
+    <p:sldId id="285" r:id="rId23"/>
+    <p:sldId id="286" r:id="rId24"/>
+    <p:sldId id="266" r:id="rId25"/>
+    <p:sldId id="287" r:id="rId26"/>
   </p:sldIdLst>
   <p:sldSz cx="12192000" cy="6858000"/>
   <p:notesSz cx="6858000" cy="9144000"/>
@@ -6406,7 +6405,12 @@
             <p:ph type="title"/>
           </p:nvPr>
         </p:nvSpPr>
-        <p:spPr/>
+        <p:spPr>
+          <a:xfrm>
+            <a:off x="627000" y="131428"/>
+            <a:ext cx="8596668" cy="1320800"/>
+          </a:xfrm>
+        </p:spPr>
         <p:txBody>
           <a:bodyPr/>
           <a:lstStyle/>
@@ -6418,67 +6422,12 @@
           </a:p>
         </p:txBody>
       </p:sp>
-      <p:sp>
-        <p:nvSpPr>
-          <p:cNvPr id="3" name="Content Placeholder 2">
-            <a:extLst>
-              <a:ext uri="{FF2B5EF4-FFF2-40B4-BE49-F238E27FC236}">
-                <a16:creationId xmlns:a16="http://schemas.microsoft.com/office/drawing/2014/main" id="{12F8EF1C-B1B1-45ED-8AD0-6B783171E737}"/>
-              </a:ext>
-            </a:extLst>
-          </p:cNvPr>
-          <p:cNvSpPr>
-            <a:spLocks noGrp="1"/>
-          </p:cNvSpPr>
-          <p:nvPr>
-            <p:ph idx="1"/>
-          </p:nvPr>
-        </p:nvSpPr>
-        <p:spPr/>
-        <p:txBody>
-          <a:bodyPr/>
-          <a:lstStyle/>
-          <a:p>
-            <a:endParaRPr lang="lt-LT"/>
-          </a:p>
-        </p:txBody>
-      </p:sp>
-    </p:spTree>
-    <p:extLst>
-      <p:ext uri="{BB962C8B-B14F-4D97-AF65-F5344CB8AC3E}">
-        <p14:creationId xmlns:p14="http://schemas.microsoft.com/office/powerpoint/2010/main" val="4026163098"/>
-      </p:ext>
-    </p:extLst>
-  </p:cSld>
-  <p:clrMapOvr>
-    <a:masterClrMapping/>
-  </p:clrMapOvr>
-</p:sld>
-</file>
-
-<file path=ppt/slides/slide16.xml><?xml version="1.0" encoding="utf-8"?>
-<p:sld xmlns:a="http://schemas.openxmlformats.org/drawingml/2006/main" xmlns:r="http://schemas.openxmlformats.org/officeDocument/2006/relationships" xmlns:p="http://schemas.openxmlformats.org/presentationml/2006/main">
-  <p:cSld>
-    <p:spTree>
-      <p:nvGrpSpPr>
-        <p:cNvPr id="1" name=""/>
-        <p:cNvGrpSpPr/>
-        <p:nvPr/>
-      </p:nvGrpSpPr>
-      <p:grpSpPr>
-        <a:xfrm>
-          <a:off x="0" y="0"/>
-          <a:ext cx="0" cy="0"/>
-          <a:chOff x="0" y="0"/>
-          <a:chExt cx="0" cy="0"/>
-        </a:xfrm>
-      </p:grpSpPr>
       <p:graphicFrame>
         <p:nvGraphicFramePr>
           <p:cNvPr id="4" name="Table 3">
             <a:extLst>
               <a:ext uri="{FF2B5EF4-FFF2-40B4-BE49-F238E27FC236}">
-                <a16:creationId xmlns:a16="http://schemas.microsoft.com/office/drawing/2014/main" id="{7B55B4E6-BF4D-487A-BA93-9CECBB09D7A3}"/>
+                <a16:creationId xmlns:a16="http://schemas.microsoft.com/office/drawing/2014/main" id="{7F47ADBC-CCA5-412F-BF29-89602851A286}"/>
               </a:ext>
             </a:extLst>
           </p:cNvPr>
@@ -6488,14 +6437,14 @@
           <p:nvPr>
             <p:extLst>
               <p:ext uri="{D42A27DB-BD31-4B8C-83A1-F6EECF244321}">
-                <p14:modId xmlns:p14="http://schemas.microsoft.com/office/powerpoint/2010/main" val="4174229072"/>
+                <p14:modId xmlns:p14="http://schemas.microsoft.com/office/powerpoint/2010/main" val="701595314"/>
               </p:ext>
             </p:extLst>
           </p:nvPr>
         </p:nvGraphicFramePr>
         <p:xfrm>
-          <a:off x="483422" y="600826"/>
-          <a:ext cx="10900557" cy="5748947"/>
+          <a:off x="240140" y="704674"/>
+          <a:ext cx="11462506" cy="6083160"/>
         </p:xfrm>
         <a:graphic>
           <a:graphicData uri="http://schemas.openxmlformats.org/drawingml/2006/table">
@@ -6504,70 +6453,70 @@
                 <a:tableStyleId>{5C22544A-7EE6-4342-B048-85BDC9FD1C3A}</a:tableStyleId>
               </a:tblPr>
               <a:tblGrid>
-                <a:gridCol w="2124291">
+                <a:gridCol w="2219735">
                   <a:extLst>
                     <a:ext uri="{9D8B030D-6E8A-4147-A177-3AD203B41FA5}">
                       <a16:colId xmlns:a16="http://schemas.microsoft.com/office/drawing/2014/main" val="1754050782"/>
                     </a:ext>
                   </a:extLst>
                 </a:gridCol>
-                <a:gridCol w="1273174">
+                <a:gridCol w="1330377">
                   <a:extLst>
                     <a:ext uri="{9D8B030D-6E8A-4147-A177-3AD203B41FA5}">
                       <a16:colId xmlns:a16="http://schemas.microsoft.com/office/drawing/2014/main" val="3691867523"/>
                     </a:ext>
                   </a:extLst>
                 </a:gridCol>
-                <a:gridCol w="1273174">
+                <a:gridCol w="1330377">
                   <a:extLst>
                     <a:ext uri="{9D8B030D-6E8A-4147-A177-3AD203B41FA5}">
                       <a16:colId xmlns:a16="http://schemas.microsoft.com/office/drawing/2014/main" val="3348591308"/>
                     </a:ext>
                   </a:extLst>
                 </a:gridCol>
-                <a:gridCol w="954131">
+                <a:gridCol w="997000">
                   <a:extLst>
                     <a:ext uri="{9D8B030D-6E8A-4147-A177-3AD203B41FA5}">
                       <a16:colId xmlns:a16="http://schemas.microsoft.com/office/drawing/2014/main" val="663500623"/>
                     </a:ext>
                   </a:extLst>
                 </a:gridCol>
-                <a:gridCol w="1139155">
+                <a:gridCol w="1190337">
                   <a:extLst>
                     <a:ext uri="{9D8B030D-6E8A-4147-A177-3AD203B41FA5}">
                       <a16:colId xmlns:a16="http://schemas.microsoft.com/office/drawing/2014/main" val="3508972722"/>
                     </a:ext>
                   </a:extLst>
                 </a:gridCol>
-                <a:gridCol w="177058">
+                <a:gridCol w="221108">
                   <a:extLst>
                     <a:ext uri="{9D8B030D-6E8A-4147-A177-3AD203B41FA5}">
                       <a16:colId xmlns:a16="http://schemas.microsoft.com/office/drawing/2014/main" val="3245299284"/>
                     </a:ext>
                   </a:extLst>
                 </a:gridCol>
-                <a:gridCol w="1376188">
+                <a:gridCol w="1438020">
                   <a:extLst>
                     <a:ext uri="{9D8B030D-6E8A-4147-A177-3AD203B41FA5}">
                       <a16:colId xmlns:a16="http://schemas.microsoft.com/office/drawing/2014/main" val="2599617444"/>
                     </a:ext>
                   </a:extLst>
                 </a:gridCol>
-                <a:gridCol w="1376188">
+                <a:gridCol w="1438020">
                   <a:extLst>
                     <a:ext uri="{9D8B030D-6E8A-4147-A177-3AD203B41FA5}">
                       <a16:colId xmlns:a16="http://schemas.microsoft.com/office/drawing/2014/main" val="1209339178"/>
                     </a:ext>
                   </a:extLst>
                 </a:gridCol>
-                <a:gridCol w="1030140">
+                <a:gridCol w="1076424">
                   <a:extLst>
                     <a:ext uri="{9D8B030D-6E8A-4147-A177-3AD203B41FA5}">
                       <a16:colId xmlns:a16="http://schemas.microsoft.com/office/drawing/2014/main" val="319544403"/>
                     </a:ext>
                   </a:extLst>
                 </a:gridCol>
-                <a:gridCol w="177058">
+                <a:gridCol w="221108">
                   <a:extLst>
                     <a:ext uri="{9D8B030D-6E8A-4147-A177-3AD203B41FA5}">
                       <a16:colId xmlns:a16="http://schemas.microsoft.com/office/drawing/2014/main" val="12273684"/>
@@ -6575,7 +6524,7 @@
                   </a:extLst>
                 </a:gridCol>
               </a:tblGrid>
-              <a:tr h="315954">
+              <a:tr h="396003">
                 <a:tc rowSpan="4">
                   <a:txBody>
                     <a:bodyPr/>
@@ -6619,12 +6568,12 @@
                         </a:spcAft>
                       </a:pPr>
                       <a:r>
-                        <a:rPr lang="lt-LT" sz="1800">
+                        <a:rPr lang="lt-LT" sz="1800" dirty="0">
                           <a:effectLst/>
                         </a:rPr>
                         <a:t>Raštingumas</a:t>
                       </a:r>
-                      <a:endParaRPr lang="lt-LT" sz="1800">
+                      <a:endParaRPr lang="lt-LT" sz="1800" dirty="0">
                         <a:effectLst/>
                         <a:latin typeface="Calibri" panose="020F0502020204030204" pitchFamily="34" charset="0"/>
                         <a:ea typeface="Calibri" panose="020F0502020204030204" pitchFamily="34" charset="0"/>
@@ -6739,7 +6688,7 @@
                   </a:ext>
                 </a:extLst>
               </a:tr>
-              <a:tr h="1579769">
+              <a:tr h="1701455">
                 <a:tc vMerge="1">
                   <a:txBody>
                     <a:bodyPr/>
@@ -6871,12 +6820,12 @@
                         </a:spcAft>
                       </a:pPr>
                       <a:r>
-                        <a:rPr lang="lt-LT" sz="1800">
+                        <a:rPr lang="lt-LT" sz="1800" dirty="0">
                           <a:effectLst/>
                         </a:rPr>
                         <a:t>Pradinės mokyklos mokytojai išmokyti mokyti</a:t>
                       </a:r>
-                      <a:endParaRPr lang="lt-LT" sz="1800">
+                      <a:endParaRPr lang="lt-LT" sz="1800" dirty="0">
                         <a:effectLst/>
                         <a:latin typeface="Calibri" panose="020F0502020204030204" pitchFamily="34" charset="0"/>
                         <a:ea typeface="Calibri" panose="020F0502020204030204" pitchFamily="34" charset="0"/>
@@ -6979,7 +6928,7 @@
                   </a:ext>
                 </a:extLst>
               </a:tr>
-              <a:tr h="947861">
+              <a:tr h="1044362">
                 <a:tc vMerge="1">
                   <a:txBody>
                     <a:bodyPr/>
@@ -7159,12 +7108,12 @@
                         </a:spcAft>
                       </a:pPr>
                       <a:r>
-                        <a:rPr lang="lt-LT" sz="1800">
+                        <a:rPr lang="lt-LT" sz="1800" dirty="0">
                           <a:effectLst/>
                         </a:rPr>
                         <a:t>(mokinių skaičius 1 mokytojui)</a:t>
                       </a:r>
-                      <a:endParaRPr lang="lt-LT" sz="1800">
+                      <a:endParaRPr lang="lt-LT" sz="1800" dirty="0">
                         <a:effectLst/>
                         <a:latin typeface="Calibri" panose="020F0502020204030204" pitchFamily="34" charset="0"/>
                         <a:ea typeface="Calibri" panose="020F0502020204030204" pitchFamily="34" charset="0"/>
@@ -7238,7 +7187,7 @@
                   </a:ext>
                 </a:extLst>
               </a:tr>
-              <a:tr h="877720">
+              <a:tr h="783271">
                 <a:tc vMerge="1">
                   <a:txBody>
                     <a:bodyPr/>
@@ -7292,12 +7241,12 @@
                         </a:spcAft>
                       </a:pPr>
                       <a:r>
-                        <a:rPr lang="lt-LT" sz="1800">
+                        <a:rPr lang="lt-LT" sz="1800" dirty="0">
                           <a:effectLst/>
                         </a:rPr>
                         <a:t>2005 - 2015 m.</a:t>
                       </a:r>
-                      <a:endParaRPr lang="lt-LT" sz="1800">
+                      <a:endParaRPr lang="lt-LT" sz="1800" dirty="0">
                         <a:effectLst/>
                         <a:latin typeface="Calibri" panose="020F0502020204030204" pitchFamily="34" charset="0"/>
                         <a:ea typeface="Calibri" panose="020F0502020204030204" pitchFamily="34" charset="0"/>
@@ -7418,12 +7367,12 @@
                         </a:spcAft>
                       </a:pPr>
                       <a:r>
-                        <a:rPr lang="lt-LT" sz="1800">
+                        <a:rPr lang="lt-LT" sz="1800" dirty="0">
                           <a:effectLst/>
                         </a:rPr>
                         <a:t>2010 - 2015 m.</a:t>
                       </a:r>
-                      <a:endParaRPr lang="lt-LT" sz="1800">
+                      <a:endParaRPr lang="lt-LT" sz="1800" dirty="0">
                         <a:effectLst/>
                         <a:latin typeface="Calibri" panose="020F0502020204030204" pitchFamily="34" charset="0"/>
                         <a:ea typeface="Calibri" panose="020F0502020204030204" pitchFamily="34" charset="0"/>
@@ -7497,7 +7446,7 @@
                   </a:ext>
                 </a:extLst>
               </a:tr>
-              <a:tr h="315954">
+              <a:tr h="396003">
                 <a:tc>
                   <a:txBody>
                     <a:bodyPr/>
@@ -7775,7 +7724,7 @@
                   </a:ext>
                 </a:extLst>
               </a:tr>
-              <a:tr h="580197">
+              <a:tr h="783271">
                 <a:tc>
                   <a:txBody>
                     <a:bodyPr/>
@@ -8053,7 +8002,7 @@
                   </a:ext>
                 </a:extLst>
               </a:tr>
-              <a:tr h="877720">
+              <a:tr h="783271">
                 <a:tc>
                   <a:txBody>
                     <a:bodyPr/>
@@ -8068,12 +8017,12 @@
                         </a:spcAft>
                       </a:pPr>
                       <a:r>
-                        <a:rPr lang="lt-LT" sz="1800">
+                        <a:rPr lang="lt-LT" sz="1800" dirty="0">
                           <a:effectLst/>
                         </a:rPr>
                         <a:t>Lotynų Amerikos ir Karibų regionas</a:t>
                       </a:r>
-                      <a:endParaRPr lang="lt-LT" sz="1800">
+                      <a:endParaRPr lang="lt-LT" sz="1800" dirty="0">
                         <a:effectLst/>
                         <a:latin typeface="Calibri" panose="020F0502020204030204" pitchFamily="34" charset="0"/>
                         <a:ea typeface="Calibri" panose="020F0502020204030204" pitchFamily="34" charset="0"/>
@@ -8338,7 +8287,115 @@
     </p:spTree>
     <p:extLst>
       <p:ext uri="{BB962C8B-B14F-4D97-AF65-F5344CB8AC3E}">
-        <p14:creationId xmlns:p14="http://schemas.microsoft.com/office/powerpoint/2010/main" val="383513931"/>
+        <p14:creationId xmlns:p14="http://schemas.microsoft.com/office/powerpoint/2010/main" val="4026163098"/>
+      </p:ext>
+    </p:extLst>
+  </p:cSld>
+  <p:clrMapOvr>
+    <a:masterClrMapping/>
+  </p:clrMapOvr>
+</p:sld>
+</file>
+
+<file path=ppt/slides/slide16.xml><?xml version="1.0" encoding="utf-8"?>
+<p:sld xmlns:a="http://schemas.openxmlformats.org/drawingml/2006/main" xmlns:r="http://schemas.openxmlformats.org/officeDocument/2006/relationships" xmlns:p="http://schemas.openxmlformats.org/presentationml/2006/main">
+  <p:cSld>
+    <p:spTree>
+      <p:nvGrpSpPr>
+        <p:cNvPr id="1" name=""/>
+        <p:cNvGrpSpPr/>
+        <p:nvPr/>
+      </p:nvGrpSpPr>
+      <p:grpSpPr>
+        <a:xfrm>
+          <a:off x="0" y="0"/>
+          <a:ext cx="0" cy="0"/>
+          <a:chOff x="0" y="0"/>
+          <a:chExt cx="0" cy="0"/>
+        </a:xfrm>
+      </p:grpSpPr>
+      <p:sp>
+        <p:nvSpPr>
+          <p:cNvPr id="2" name="Title 1">
+            <a:extLst>
+              <a:ext uri="{FF2B5EF4-FFF2-40B4-BE49-F238E27FC236}">
+                <a16:creationId xmlns:a16="http://schemas.microsoft.com/office/drawing/2014/main" id="{4DA4ECA3-3918-41B8-9DB9-0FA8AF4E9FD1}"/>
+              </a:ext>
+            </a:extLst>
+          </p:cNvPr>
+          <p:cNvSpPr>
+            <a:spLocks noGrp="1"/>
+          </p:cNvSpPr>
+          <p:nvPr>
+            <p:ph type="title"/>
+          </p:nvPr>
+        </p:nvSpPr>
+        <p:spPr/>
+        <p:txBody>
+          <a:bodyPr/>
+          <a:lstStyle/>
+          <a:p>
+            <a:r>
+              <a:rPr lang="lt-LT" dirty="0"/>
+              <a:t>Ekosistemos reitingai</a:t>
+            </a:r>
+            <a:endParaRPr lang="en-US" dirty="0"/>
+          </a:p>
+        </p:txBody>
+      </p:sp>
+      <p:sp>
+        <p:nvSpPr>
+          <p:cNvPr id="3" name="Content Placeholder 2">
+            <a:extLst>
+              <a:ext uri="{FF2B5EF4-FFF2-40B4-BE49-F238E27FC236}">
+                <a16:creationId xmlns:a16="http://schemas.microsoft.com/office/drawing/2014/main" id="{EDBB9B17-6809-4A82-BD98-652EB7DD029E}"/>
+              </a:ext>
+            </a:extLst>
+          </p:cNvPr>
+          <p:cNvSpPr>
+            <a:spLocks noGrp="1"/>
+          </p:cNvSpPr>
+          <p:nvPr>
+            <p:ph idx="1"/>
+          </p:nvPr>
+        </p:nvSpPr>
+        <p:spPr/>
+        <p:txBody>
+          <a:bodyPr>
+            <a:normAutofit/>
+          </a:bodyPr>
+          <a:lstStyle/>
+          <a:p>
+            <a:r>
+              <a:rPr lang="lt-LT" sz="2000" dirty="0"/>
+              <a:t>Pirma pasaulyje pagal paukščių rūšių kiekį</a:t>
+            </a:r>
+          </a:p>
+          <a:p>
+            <a:r>
+              <a:rPr lang="lt-LT" sz="2000" dirty="0"/>
+              <a:t>Antra pasaulyje pagal augalų rūšių kiekį</a:t>
+            </a:r>
+          </a:p>
+          <a:p>
+            <a:r>
+              <a:rPr lang="lt-LT" sz="2000" dirty="0"/>
+              <a:t>Trečia pasaulyje pagal roplių rūšių kiekį</a:t>
+            </a:r>
+          </a:p>
+          <a:p>
+            <a:r>
+              <a:rPr lang="lt-LT" sz="2000" dirty="0"/>
+              <a:t>Ketvirta pasaulyje pagal žinduolių rūšių kiekį</a:t>
+            </a:r>
+            <a:endParaRPr lang="en-US" sz="2000" dirty="0"/>
+          </a:p>
+        </p:txBody>
+      </p:sp>
+    </p:spTree>
+    <p:extLst>
+      <p:ext uri="{BB962C8B-B14F-4D97-AF65-F5344CB8AC3E}">
+        <p14:creationId xmlns:p14="http://schemas.microsoft.com/office/powerpoint/2010/main" val="307668021"/>
       </p:ext>
     </p:extLst>
   </p:cSld>
@@ -8370,114 +8427,6 @@
           <p:cNvPr id="2" name="Title 1">
             <a:extLst>
               <a:ext uri="{FF2B5EF4-FFF2-40B4-BE49-F238E27FC236}">
-                <a16:creationId xmlns:a16="http://schemas.microsoft.com/office/drawing/2014/main" id="{4DA4ECA3-3918-41B8-9DB9-0FA8AF4E9FD1}"/>
-              </a:ext>
-            </a:extLst>
-          </p:cNvPr>
-          <p:cNvSpPr>
-            <a:spLocks noGrp="1"/>
-          </p:cNvSpPr>
-          <p:nvPr>
-            <p:ph type="title"/>
-          </p:nvPr>
-        </p:nvSpPr>
-        <p:spPr/>
-        <p:txBody>
-          <a:bodyPr/>
-          <a:lstStyle/>
-          <a:p>
-            <a:r>
-              <a:rPr lang="lt-LT" dirty="0"/>
-              <a:t>Ekosistemos reitingai</a:t>
-            </a:r>
-            <a:endParaRPr lang="en-US" dirty="0"/>
-          </a:p>
-        </p:txBody>
-      </p:sp>
-      <p:sp>
-        <p:nvSpPr>
-          <p:cNvPr id="3" name="Content Placeholder 2">
-            <a:extLst>
-              <a:ext uri="{FF2B5EF4-FFF2-40B4-BE49-F238E27FC236}">
-                <a16:creationId xmlns:a16="http://schemas.microsoft.com/office/drawing/2014/main" id="{EDBB9B17-6809-4A82-BD98-652EB7DD029E}"/>
-              </a:ext>
-            </a:extLst>
-          </p:cNvPr>
-          <p:cNvSpPr>
-            <a:spLocks noGrp="1"/>
-          </p:cNvSpPr>
-          <p:nvPr>
-            <p:ph idx="1"/>
-          </p:nvPr>
-        </p:nvSpPr>
-        <p:spPr/>
-        <p:txBody>
-          <a:bodyPr>
-            <a:normAutofit/>
-          </a:bodyPr>
-          <a:lstStyle/>
-          <a:p>
-            <a:r>
-              <a:rPr lang="lt-LT" sz="2000" dirty="0"/>
-              <a:t>Pirma pasaulyje pagal paukščių rūšių kiekį</a:t>
-            </a:r>
-          </a:p>
-          <a:p>
-            <a:r>
-              <a:rPr lang="lt-LT" sz="2000" dirty="0"/>
-              <a:t>Antra pasaulyje pagal augalų rūšių kiekį</a:t>
-            </a:r>
-          </a:p>
-          <a:p>
-            <a:r>
-              <a:rPr lang="lt-LT" sz="2000" dirty="0"/>
-              <a:t>Trečia pasaulyje pagal roplių rūšių kiekį</a:t>
-            </a:r>
-          </a:p>
-          <a:p>
-            <a:r>
-              <a:rPr lang="lt-LT" sz="2000" dirty="0"/>
-              <a:t>Ketvirta pasaulyje pagal žinduolių rūšių kiekį</a:t>
-            </a:r>
-            <a:endParaRPr lang="en-US" sz="2000" dirty="0"/>
-          </a:p>
-        </p:txBody>
-      </p:sp>
-    </p:spTree>
-    <p:extLst>
-      <p:ext uri="{BB962C8B-B14F-4D97-AF65-F5344CB8AC3E}">
-        <p14:creationId xmlns:p14="http://schemas.microsoft.com/office/powerpoint/2010/main" val="307668021"/>
-      </p:ext>
-    </p:extLst>
-  </p:cSld>
-  <p:clrMapOvr>
-    <a:masterClrMapping/>
-  </p:clrMapOvr>
-</p:sld>
-</file>
-
-<file path=ppt/slides/slide18.xml><?xml version="1.0" encoding="utf-8"?>
-<p:sld xmlns:a="http://schemas.openxmlformats.org/drawingml/2006/main" xmlns:r="http://schemas.openxmlformats.org/officeDocument/2006/relationships" xmlns:p="http://schemas.openxmlformats.org/presentationml/2006/main">
-  <p:cSld>
-    <p:spTree>
-      <p:nvGrpSpPr>
-        <p:cNvPr id="1" name=""/>
-        <p:cNvGrpSpPr/>
-        <p:nvPr/>
-      </p:nvGrpSpPr>
-      <p:grpSpPr>
-        <a:xfrm>
-          <a:off x="0" y="0"/>
-          <a:ext cx="0" cy="0"/>
-          <a:chOff x="0" y="0"/>
-          <a:chExt cx="0" cy="0"/>
-        </a:xfrm>
-      </p:grpSpPr>
-      <p:sp>
-        <p:nvSpPr>
-          <p:cNvPr id="2" name="Title 1">
-            <a:extLst>
-              <a:ext uri="{FF2B5EF4-FFF2-40B4-BE49-F238E27FC236}">
                 <a16:creationId xmlns:a16="http://schemas.microsoft.com/office/drawing/2014/main" id="{3E6D4229-D741-4C8F-B1BC-C883BE771C81}"/>
               </a:ext>
             </a:extLst>
@@ -8563,7 +8512,7 @@
 </p:sld>
 </file>
 
-<file path=ppt/slides/slide19.xml><?xml version="1.0" encoding="utf-8"?>
+<file path=ppt/slides/slide18.xml><?xml version="1.0" encoding="utf-8"?>
 <p:sld xmlns:a="http://schemas.openxmlformats.org/drawingml/2006/main" xmlns:r="http://schemas.openxmlformats.org/officeDocument/2006/relationships" xmlns:p="http://schemas.openxmlformats.org/presentationml/2006/main">
   <p:cSld>
     <p:spTree>
@@ -8920,137 +8869,7 @@
 </p:sld>
 </file>
 
-<file path=ppt/slides/slide2.xml><?xml version="1.0" encoding="utf-8"?>
-<p:sld xmlns:a="http://schemas.openxmlformats.org/drawingml/2006/main" xmlns:r="http://schemas.openxmlformats.org/officeDocument/2006/relationships" xmlns:p="http://schemas.openxmlformats.org/presentationml/2006/main">
-  <p:cSld>
-    <p:spTree>
-      <p:nvGrpSpPr>
-        <p:cNvPr id="1" name=""/>
-        <p:cNvGrpSpPr/>
-        <p:nvPr/>
-      </p:nvGrpSpPr>
-      <p:grpSpPr>
-        <a:xfrm>
-          <a:off x="0" y="0"/>
-          <a:ext cx="0" cy="0"/>
-          <a:chOff x="0" y="0"/>
-          <a:chExt cx="0" cy="0"/>
-        </a:xfrm>
-      </p:grpSpPr>
-      <p:sp>
-        <p:nvSpPr>
-          <p:cNvPr id="2" name="Title 1">
-            <a:extLst>
-              <a:ext uri="{FF2B5EF4-FFF2-40B4-BE49-F238E27FC236}">
-                <a16:creationId xmlns:a16="http://schemas.microsoft.com/office/drawing/2014/main" id="{40107DC2-C6CB-4831-B197-8555115B39B2}"/>
-              </a:ext>
-            </a:extLst>
-          </p:cNvPr>
-          <p:cNvSpPr>
-            <a:spLocks noGrp="1"/>
-          </p:cNvSpPr>
-          <p:nvPr>
-            <p:ph type="title"/>
-          </p:nvPr>
-        </p:nvSpPr>
-        <p:spPr/>
-        <p:txBody>
-          <a:bodyPr/>
-          <a:lstStyle/>
-          <a:p>
-            <a:r>
-              <a:rPr lang="lt-LT" dirty="0"/>
-              <a:t>Turinys</a:t>
-            </a:r>
-          </a:p>
-        </p:txBody>
-      </p:sp>
-      <p:sp>
-        <p:nvSpPr>
-          <p:cNvPr id="3" name="Content Placeholder 2">
-            <a:extLst>
-              <a:ext uri="{FF2B5EF4-FFF2-40B4-BE49-F238E27FC236}">
-                <a16:creationId xmlns:a16="http://schemas.microsoft.com/office/drawing/2014/main" id="{4C234390-B47E-4429-8945-28B50A73EEDC}"/>
-              </a:ext>
-            </a:extLst>
-          </p:cNvPr>
-          <p:cNvSpPr>
-            <a:spLocks noGrp="1"/>
-          </p:cNvSpPr>
-          <p:nvPr>
-            <p:ph idx="1"/>
-          </p:nvPr>
-        </p:nvSpPr>
-        <p:spPr/>
-        <p:txBody>
-          <a:bodyPr>
-            <a:normAutofit lnSpcReduction="10000"/>
-          </a:bodyPr>
-          <a:lstStyle/>
-          <a:p>
-            <a:r>
-              <a:rPr lang="lt-LT" sz="2400" dirty="0"/>
-              <a:t>Tikslai</a:t>
-            </a:r>
-          </a:p>
-          <a:p>
-            <a:r>
-              <a:rPr lang="lt-LT" sz="2400" dirty="0"/>
-              <a:t>Kolumbijos ekonomika</a:t>
-            </a:r>
-          </a:p>
-          <a:p>
-            <a:r>
-              <a:rPr lang="lt-LT" sz="2400" dirty="0"/>
-              <a:t>Kolumbijos demografija</a:t>
-            </a:r>
-          </a:p>
-          <a:p>
-            <a:r>
-              <a:rPr lang="lt-LT" sz="2400" dirty="0"/>
-              <a:t>Kolumbijos švietimas</a:t>
-            </a:r>
-          </a:p>
-          <a:p>
-            <a:r>
-              <a:rPr lang="lt-LT" sz="2400" dirty="0"/>
-              <a:t>Kolumbijos ekologija</a:t>
-            </a:r>
-          </a:p>
-          <a:p>
-            <a:r>
-              <a:rPr lang="lt-LT" sz="2400" dirty="0"/>
-              <a:t>Kolumbijos socialinė situacija</a:t>
-            </a:r>
-          </a:p>
-          <a:p>
-            <a:r>
-              <a:rPr lang="lt-LT" sz="2400" dirty="0"/>
-              <a:t>Kolumbijos sveikatos gerovė</a:t>
-            </a:r>
-          </a:p>
-          <a:p>
-            <a:r>
-              <a:rPr lang="lt-LT" sz="2400" dirty="0"/>
-              <a:t>Išvados</a:t>
-            </a:r>
-          </a:p>
-        </p:txBody>
-      </p:sp>
-    </p:spTree>
-    <p:extLst>
-      <p:ext uri="{BB962C8B-B14F-4D97-AF65-F5344CB8AC3E}">
-        <p14:creationId xmlns:p14="http://schemas.microsoft.com/office/powerpoint/2010/main" val="1426520263"/>
-      </p:ext>
-    </p:extLst>
-  </p:cSld>
-  <p:clrMapOvr>
-    <a:masterClrMapping/>
-  </p:clrMapOvr>
-</p:sld>
-</file>
-
-<file path=ppt/slides/slide20.xml><?xml version="1.0" encoding="utf-8"?>
+<file path=ppt/slides/slide19.xml><?xml version="1.0" encoding="utf-8"?>
 <p:sld xmlns:a="http://schemas.openxmlformats.org/drawingml/2006/main" xmlns:r="http://schemas.openxmlformats.org/officeDocument/2006/relationships" xmlns:p="http://schemas.openxmlformats.org/presentationml/2006/main">
   <p:cSld>
     <p:spTree>
@@ -9144,7 +8963,137 @@
 </p:sld>
 </file>
 
-<file path=ppt/slides/slide21.xml><?xml version="1.0" encoding="utf-8"?>
+<file path=ppt/slides/slide2.xml><?xml version="1.0" encoding="utf-8"?>
+<p:sld xmlns:a="http://schemas.openxmlformats.org/drawingml/2006/main" xmlns:r="http://schemas.openxmlformats.org/officeDocument/2006/relationships" xmlns:p="http://schemas.openxmlformats.org/presentationml/2006/main">
+  <p:cSld>
+    <p:spTree>
+      <p:nvGrpSpPr>
+        <p:cNvPr id="1" name=""/>
+        <p:cNvGrpSpPr/>
+        <p:nvPr/>
+      </p:nvGrpSpPr>
+      <p:grpSpPr>
+        <a:xfrm>
+          <a:off x="0" y="0"/>
+          <a:ext cx="0" cy="0"/>
+          <a:chOff x="0" y="0"/>
+          <a:chExt cx="0" cy="0"/>
+        </a:xfrm>
+      </p:grpSpPr>
+      <p:sp>
+        <p:nvSpPr>
+          <p:cNvPr id="2" name="Title 1">
+            <a:extLst>
+              <a:ext uri="{FF2B5EF4-FFF2-40B4-BE49-F238E27FC236}">
+                <a16:creationId xmlns:a16="http://schemas.microsoft.com/office/drawing/2014/main" id="{40107DC2-C6CB-4831-B197-8555115B39B2}"/>
+              </a:ext>
+            </a:extLst>
+          </p:cNvPr>
+          <p:cNvSpPr>
+            <a:spLocks noGrp="1"/>
+          </p:cNvSpPr>
+          <p:nvPr>
+            <p:ph type="title"/>
+          </p:nvPr>
+        </p:nvSpPr>
+        <p:spPr/>
+        <p:txBody>
+          <a:bodyPr/>
+          <a:lstStyle/>
+          <a:p>
+            <a:r>
+              <a:rPr lang="lt-LT" dirty="0"/>
+              <a:t>Turinys</a:t>
+            </a:r>
+          </a:p>
+        </p:txBody>
+      </p:sp>
+      <p:sp>
+        <p:nvSpPr>
+          <p:cNvPr id="3" name="Content Placeholder 2">
+            <a:extLst>
+              <a:ext uri="{FF2B5EF4-FFF2-40B4-BE49-F238E27FC236}">
+                <a16:creationId xmlns:a16="http://schemas.microsoft.com/office/drawing/2014/main" id="{4C234390-B47E-4429-8945-28B50A73EEDC}"/>
+              </a:ext>
+            </a:extLst>
+          </p:cNvPr>
+          <p:cNvSpPr>
+            <a:spLocks noGrp="1"/>
+          </p:cNvSpPr>
+          <p:nvPr>
+            <p:ph idx="1"/>
+          </p:nvPr>
+        </p:nvSpPr>
+        <p:spPr/>
+        <p:txBody>
+          <a:bodyPr>
+            <a:normAutofit lnSpcReduction="10000"/>
+          </a:bodyPr>
+          <a:lstStyle/>
+          <a:p>
+            <a:r>
+              <a:rPr lang="lt-LT" sz="2400" dirty="0"/>
+              <a:t>Tikslai</a:t>
+            </a:r>
+          </a:p>
+          <a:p>
+            <a:r>
+              <a:rPr lang="lt-LT" sz="2400" dirty="0"/>
+              <a:t>Kolumbijos ekonomika</a:t>
+            </a:r>
+          </a:p>
+          <a:p>
+            <a:r>
+              <a:rPr lang="lt-LT" sz="2400" dirty="0"/>
+              <a:t>Kolumbijos demografija</a:t>
+            </a:r>
+          </a:p>
+          <a:p>
+            <a:r>
+              <a:rPr lang="lt-LT" sz="2400" dirty="0"/>
+              <a:t>Kolumbijos švietimas</a:t>
+            </a:r>
+          </a:p>
+          <a:p>
+            <a:r>
+              <a:rPr lang="lt-LT" sz="2400" dirty="0"/>
+              <a:t>Kolumbijos ekologija</a:t>
+            </a:r>
+          </a:p>
+          <a:p>
+            <a:r>
+              <a:rPr lang="lt-LT" sz="2400" dirty="0"/>
+              <a:t>Kolumbijos socialinė situacija</a:t>
+            </a:r>
+          </a:p>
+          <a:p>
+            <a:r>
+              <a:rPr lang="lt-LT" sz="2400" dirty="0"/>
+              <a:t>Kolumbijos sveikatos gerovė</a:t>
+            </a:r>
+          </a:p>
+          <a:p>
+            <a:r>
+              <a:rPr lang="lt-LT" sz="2400" dirty="0"/>
+              <a:t>Išvados</a:t>
+            </a:r>
+          </a:p>
+        </p:txBody>
+      </p:sp>
+    </p:spTree>
+    <p:extLst>
+      <p:ext uri="{BB962C8B-B14F-4D97-AF65-F5344CB8AC3E}">
+        <p14:creationId xmlns:p14="http://schemas.microsoft.com/office/powerpoint/2010/main" val="1426520263"/>
+      </p:ext>
+    </p:extLst>
+  </p:cSld>
+  <p:clrMapOvr>
+    <a:masterClrMapping/>
+  </p:clrMapOvr>
+</p:sld>
+</file>
+
+<file path=ppt/slides/slide20.xml><?xml version="1.0" encoding="utf-8"?>
 <p:sld xmlns:a="http://schemas.openxmlformats.org/drawingml/2006/main" xmlns:r="http://schemas.openxmlformats.org/officeDocument/2006/relationships" xmlns:p="http://schemas.openxmlformats.org/presentationml/2006/main">
   <p:cSld>
     <p:spTree>
@@ -9274,7 +9223,7 @@
 </p:sld>
 </file>
 
-<file path=ppt/slides/slide22.xml><?xml version="1.0" encoding="utf-8"?>
+<file path=ppt/slides/slide21.xml><?xml version="1.0" encoding="utf-8"?>
 <p:sld xmlns:a="http://schemas.openxmlformats.org/drawingml/2006/main" xmlns:r="http://schemas.openxmlformats.org/officeDocument/2006/relationships" xmlns:p="http://schemas.openxmlformats.org/presentationml/2006/main">
   <p:cSld>
     <p:spTree>
@@ -9412,7 +9361,7 @@
 </p:sld>
 </file>
 
-<file path=ppt/slides/slide23.xml><?xml version="1.0" encoding="utf-8"?>
+<file path=ppt/slides/slide22.xml><?xml version="1.0" encoding="utf-8"?>
 <p:sld xmlns:a="http://schemas.openxmlformats.org/drawingml/2006/main" xmlns:r="http://schemas.openxmlformats.org/officeDocument/2006/relationships" xmlns:p="http://schemas.openxmlformats.org/presentationml/2006/main">
   <p:cSld>
     <p:spTree>
@@ -9501,7 +9450,7 @@
 </p:sld>
 </file>
 
-<file path=ppt/slides/slide24.xml><?xml version="1.0" encoding="utf-8"?>
+<file path=ppt/slides/slide23.xml><?xml version="1.0" encoding="utf-8"?>
 <p:sld xmlns:a="http://schemas.openxmlformats.org/drawingml/2006/main" xmlns:r="http://schemas.openxmlformats.org/officeDocument/2006/relationships" xmlns:p="http://schemas.openxmlformats.org/presentationml/2006/main">
   <p:cSld>
     <p:spTree>
@@ -9590,7 +9539,7 @@
 </p:sld>
 </file>
 
-<file path=ppt/slides/slide25.xml><?xml version="1.0" encoding="utf-8"?>
+<file path=ppt/slides/slide24.xml><?xml version="1.0" encoding="utf-8"?>
 <p:sld xmlns:a="http://schemas.openxmlformats.org/drawingml/2006/main" xmlns:r="http://schemas.openxmlformats.org/officeDocument/2006/relationships" xmlns:p="http://schemas.openxmlformats.org/presentationml/2006/main">
   <p:cSld>
     <p:spTree>
@@ -9715,7 +9664,7 @@
 </p:sld>
 </file>
 
-<file path=ppt/slides/slide26.xml><?xml version="1.0" encoding="utf-8"?>
+<file path=ppt/slides/slide25.xml><?xml version="1.0" encoding="utf-8"?>
 <p:sld xmlns:a="http://schemas.openxmlformats.org/drawingml/2006/main" xmlns:r="http://schemas.openxmlformats.org/officeDocument/2006/relationships" xmlns:p="http://schemas.openxmlformats.org/presentationml/2006/main">
   <p:cSld>
     <p:spTree>
